--- a/PPT/08 - 응용프로그래밍개발(Nodejs) - Express기초.pptx
+++ b/PPT/08 - 응용프로그래밍개발(Nodejs) - Express기초.pptx
@@ -122,7 +122,7 @@
   </p:defaultTextStyle>
   <p:extLst>
     <p:ext uri="{EFAFB233-063F-42B5-8137-9DF3F51BA10A}">
-      <p15:sldGuideLst xmlns="" xmlns:p15="http://schemas.microsoft.com/office/powerpoint/2012/main">
+      <p15:sldGuideLst xmlns:p15="http://schemas.microsoft.com/office/powerpoint/2012/main">
         <p15:guide id="1" orient="horz" pos="2160">
           <p15:clr>
             <a:srgbClr val="A4A3A4"/>
@@ -136,7 +136,7 @@
       </p15:sldGuideLst>
     </p:ext>
     <p:ext uri="{2D200454-40CA-4A62-9FC3-DE9A4176ACB9}">
-      <p15:notesGuideLst xmlns="" xmlns:p15="http://schemas.microsoft.com/office/powerpoint/2012/main">
+      <p15:notesGuideLst xmlns:p15="http://schemas.microsoft.com/office/powerpoint/2012/main">
         <p15:guide id="1" orient="horz" pos="2880">
           <p15:clr>
             <a:srgbClr val="A4A3A4"/>
@@ -2183,10 +2183,9 @@
           </a:lstStyle>
           <a:p>
             <a:r>
-              <a:rPr lang="ko-KR" altLang="en-US" smtClean="0"/>
+              <a:rPr lang="ko-KR" altLang="en-US"/>
               <a:t>마스터 제목 스타일 편집</a:t>
             </a:r>
-            <a:endParaRPr lang="ko-KR" altLang="en-US"/>
           </a:p>
         </p:txBody>
       </p:sp>
@@ -4403,12 +4402,8 @@
           <a:lstStyle/>
           <a:p>
             <a:r>
-              <a:rPr lang="ko-KR" altLang="en-US" smtClean="0"/>
-              <a:t>노드제이에</a:t>
-            </a:r>
-            <a:r>
               <a:rPr lang="ko-KR" altLang="en-US"/>
-              <a:t>스</a:t>
+              <a:t>노드제이에스</a:t>
             </a:r>
             <a:endParaRPr lang="ko-KR" altLang="en-US" dirty="0"/>
           </a:p>
@@ -4430,7 +4425,7 @@
           <a:lstStyle/>
           <a:p>
             <a:r>
-              <a:rPr lang="en-US" altLang="ko-KR" smtClean="0"/>
+              <a:rPr lang="en-US" altLang="ko-KR"/>
               <a:t>08</a:t>
             </a:r>
             <a:endParaRPr lang="ko-KR" altLang="en-US" dirty="0"/>
@@ -4447,13 +4442,6 @@
   <p:clrMapOvr>
     <a:masterClrMapping/>
   </p:clrMapOvr>
-  <p:timing>
-    <p:tnLst>
-      <p:par>
-        <p:cTn id="1" dur="indefinite" restart="never" nodeType="tmRoot"/>
-      </p:par>
-    </p:tnLst>
-  </p:timing>
 </p:sld>
 </file>
 
@@ -4500,7 +4488,7 @@
           <a:lstStyle/>
           <a:p>
             <a:r>
-              <a:rPr lang="en-US" altLang="ko-KR" b="1" smtClean="0">
+              <a:rPr lang="en-US" altLang="ko-KR" b="1">
                 <a:solidFill>
                   <a:schemeClr val="accent2"/>
                 </a:solidFill>
@@ -4553,15 +4541,15 @@
           <a:lstStyle/>
           <a:p>
             <a:r>
-              <a:rPr lang="en-US" altLang="ko-KR" sz="2400" smtClean="0"/>
+              <a:rPr lang="en-US" altLang="ko-KR" sz="2400"/>
               <a:t>express</a:t>
             </a:r>
             <a:r>
-              <a:rPr lang="ko-KR" altLang="en-US" sz="2400" smtClean="0"/>
+              <a:rPr lang="ko-KR" altLang="en-US" sz="2400"/>
               <a:t>에서 제공하는 </a:t>
             </a:r>
             <a:r>
-              <a:rPr lang="en-US" altLang="ko-KR" sz="2400" smtClean="0"/>
+              <a:rPr lang="en-US" altLang="ko-KR" sz="2400"/>
               <a:t>method</a:t>
             </a:r>
           </a:p>
@@ -4643,15 +4631,11 @@
               <a:rPr lang="en-US" altLang="ko-KR" sz="2000" b="0"/>
               <a:t> </a:t>
             </a:r>
-            <a:r>
-              <a:rPr lang="en-US" altLang="ko-KR" sz="2000" b="0" smtClean="0"/>
-              <a:t/>
-            </a:r>
             <a:br>
-              <a:rPr lang="en-US" altLang="ko-KR" sz="2000" b="0" smtClean="0"/>
+              <a:rPr lang="en-US" altLang="ko-KR" sz="2000" b="0"/>
             </a:br>
             <a:r>
-              <a:rPr lang="en-US" altLang="ko-KR" sz="2000" smtClean="0"/>
+              <a:rPr lang="en-US" altLang="ko-KR" sz="2000"/>
               <a:t>mkcol</a:t>
             </a:r>
             <a:r>
@@ -4710,15 +4694,11 @@
               <a:rPr lang="en-US" altLang="ko-KR" sz="2000" b="0"/>
               <a:t> </a:t>
             </a:r>
-            <a:r>
-              <a:rPr lang="en-US" altLang="ko-KR" sz="2000" b="0" smtClean="0"/>
-              <a:t/>
-            </a:r>
             <a:br>
-              <a:rPr lang="en-US" altLang="ko-KR" sz="2000" b="0" smtClean="0"/>
+              <a:rPr lang="en-US" altLang="ko-KR" sz="2000" b="0"/>
             </a:br>
             <a:r>
-              <a:rPr lang="en-US" altLang="ko-KR" sz="2000" smtClean="0"/>
+              <a:rPr lang="en-US" altLang="ko-KR" sz="2000"/>
               <a:t>mkactivity</a:t>
             </a:r>
             <a:r>
@@ -4746,7 +4726,7 @@
               <a:t> </a:t>
             </a:r>
             <a:r>
-              <a:rPr lang="en-US" altLang="ko-KR" sz="2000" smtClean="0"/>
+              <a:rPr lang="en-US" altLang="ko-KR" sz="2000"/>
               <a:t>m-search</a:t>
             </a:r>
             <a:r>
@@ -4766,14 +4746,14 @@
               <a:t>subscribe</a:t>
             </a:r>
             <a:r>
-              <a:rPr lang="en-US" altLang="ko-KR" sz="2000" b="0" smtClean="0"/>
+              <a:rPr lang="en-US" altLang="ko-KR" sz="2000" b="0"/>
               <a:t>,</a:t>
             </a:r>
             <a:br>
-              <a:rPr lang="en-US" altLang="ko-KR" sz="2000" b="0" smtClean="0"/>
+              <a:rPr lang="en-US" altLang="ko-KR" sz="2000" b="0"/>
             </a:br>
             <a:r>
-              <a:rPr lang="en-US" altLang="ko-KR" sz="2000" smtClean="0"/>
+              <a:rPr lang="en-US" altLang="ko-KR" sz="2000"/>
               <a:t>unsubscribe</a:t>
             </a:r>
             <a:r>
@@ -4793,7 +4773,7 @@
               <a:t> </a:t>
             </a:r>
             <a:r>
-              <a:rPr lang="en-US" altLang="ko-KR" sz="2000" smtClean="0"/>
+              <a:rPr lang="en-US" altLang="ko-KR" sz="2000"/>
               <a:t>search,</a:t>
             </a:r>
             <a:r>
@@ -4801,7 +4781,7 @@
               <a:t> </a:t>
             </a:r>
             <a:r>
-              <a:rPr lang="en-US" altLang="ko-KR" sz="2000" smtClean="0"/>
+              <a:rPr lang="en-US" altLang="ko-KR" sz="2000"/>
               <a:t>connect</a:t>
             </a:r>
           </a:p>
@@ -4811,7 +4791,7 @@
                 <a:spcPct val="150000"/>
               </a:lnSpc>
             </a:pPr>
-            <a:endParaRPr lang="en-US" altLang="ko-KR" sz="2400" smtClean="0"/>
+            <a:endParaRPr lang="en-US" altLang="ko-KR" sz="2400"/>
           </a:p>
         </p:txBody>
       </p:sp>
@@ -4889,13 +4869,6 @@
   <p:clrMapOvr>
     <a:masterClrMapping/>
   </p:clrMapOvr>
-  <p:timing>
-    <p:tnLst>
-      <p:par>
-        <p:cTn id="1" dur="indefinite" restart="never" nodeType="tmRoot"/>
-      </p:par>
-    </p:tnLst>
-  </p:timing>
 </p:sld>
 </file>
 
@@ -4942,7 +4915,7 @@
           <a:lstStyle/>
           <a:p>
             <a:r>
-              <a:rPr lang="en-US" altLang="ko-KR" b="1" smtClean="0">
+              <a:rPr lang="en-US" altLang="ko-KR" b="1">
                 <a:solidFill>
                   <a:schemeClr val="accent2"/>
                 </a:solidFill>
@@ -5000,96 +4973,96 @@
               </a:lnSpc>
             </a:pPr>
             <a:r>
-              <a:rPr lang="ko-KR" altLang="en-US" sz="2400" smtClean="0"/>
+              <a:rPr lang="ko-KR" altLang="en-US" sz="2400"/>
               <a:t>정적 파일 서버 만들기</a:t>
             </a:r>
-            <a:endParaRPr lang="en-US" altLang="ko-KR" sz="2400" smtClean="0"/>
+            <a:endParaRPr lang="en-US" altLang="ko-KR" sz="2400"/>
           </a:p>
           <a:p>
             <a:pPr lvl="1"/>
             <a:r>
-              <a:rPr lang="en-US" altLang="ko-KR" sz="2000" smtClean="0"/>
+              <a:rPr lang="en-US" altLang="ko-KR" sz="2000"/>
               <a:t>HTTP </a:t>
             </a:r>
             <a:r>
-              <a:rPr lang="ko-KR" altLang="en-US" sz="2000" smtClean="0"/>
+              <a:rPr lang="ko-KR" altLang="en-US" sz="2000"/>
               <a:t>서버를 생성하여 요청을 대기</a:t>
             </a:r>
-            <a:endParaRPr lang="en-US" altLang="ko-KR" sz="2000" smtClean="0"/>
+            <a:endParaRPr lang="en-US" altLang="ko-KR" sz="2000"/>
           </a:p>
           <a:p>
             <a:pPr lvl="1"/>
             <a:r>
-              <a:rPr lang="ko-KR" altLang="en-US" sz="2000" smtClean="0"/>
+              <a:rPr lang="ko-KR" altLang="en-US" sz="2000"/>
               <a:t>요청에 도달하면 요청</a:t>
             </a:r>
             <a:r>
-              <a:rPr lang="en-US" altLang="ko-KR" sz="2000" smtClean="0"/>
+              <a:rPr lang="en-US" altLang="ko-KR" sz="2000"/>
               <a:t>URL</a:t>
             </a:r>
             <a:r>
-              <a:rPr lang="ko-KR" altLang="en-US" sz="2000" smtClean="0"/>
+              <a:rPr lang="ko-KR" altLang="en-US" sz="2000"/>
               <a:t>을 파싱하여 파일의 위치를 결정</a:t>
             </a:r>
-            <a:endParaRPr lang="en-US" altLang="ko-KR" sz="2000" smtClean="0"/>
+            <a:endParaRPr lang="en-US" altLang="ko-KR" sz="2000"/>
           </a:p>
           <a:p>
             <a:pPr lvl="1"/>
             <a:r>
-              <a:rPr lang="ko-KR" altLang="en-US" sz="2000" smtClean="0"/>
+              <a:rPr lang="ko-KR" altLang="en-US" sz="2000"/>
               <a:t>파일이 존재하는지 확인</a:t>
             </a:r>
-            <a:endParaRPr lang="en-US" altLang="ko-KR" sz="2000" smtClean="0"/>
+            <a:endParaRPr lang="en-US" altLang="ko-KR" sz="2000"/>
           </a:p>
           <a:p>
             <a:pPr lvl="1"/>
             <a:r>
-              <a:rPr lang="ko-KR" altLang="en-US" sz="2000" smtClean="0"/>
+              <a:rPr lang="ko-KR" altLang="en-US" sz="2000"/>
               <a:t>존재하면 파일을 </a:t>
             </a:r>
             <a:r>
-              <a:rPr lang="en-US" altLang="ko-KR" sz="2000" smtClean="0"/>
+              <a:rPr lang="en-US" altLang="ko-KR" sz="2000"/>
               <a:t>read</a:t>
             </a:r>
           </a:p>
           <a:p>
             <a:pPr lvl="1"/>
             <a:r>
-              <a:rPr lang="en-US" altLang="ko-KR" sz="2000" smtClean="0"/>
+              <a:rPr lang="en-US" altLang="ko-KR" sz="2000"/>
               <a:t>response </a:t>
             </a:r>
             <a:r>
-              <a:rPr lang="ko-KR" altLang="en-US" sz="2000" smtClean="0"/>
+              <a:rPr lang="ko-KR" altLang="en-US" sz="2000"/>
               <a:t>헤더 준비</a:t>
             </a:r>
-            <a:endParaRPr lang="en-US" altLang="ko-KR" sz="2000" smtClean="0"/>
+            <a:endParaRPr lang="en-US" altLang="ko-KR" sz="2000"/>
           </a:p>
           <a:p>
             <a:pPr lvl="1"/>
             <a:r>
-              <a:rPr lang="en-US" altLang="ko-KR" sz="2000" smtClean="0"/>
+              <a:rPr lang="en-US" altLang="ko-KR" sz="2000"/>
               <a:t>response</a:t>
             </a:r>
             <a:r>
-              <a:rPr lang="ko-KR" altLang="en-US" sz="2000" smtClean="0"/>
+              <a:rPr lang="ko-KR" altLang="en-US" sz="2000"/>
               <a:t>에 파일내용 </a:t>
             </a:r>
             <a:r>
-              <a:rPr lang="en-US" altLang="ko-KR" sz="2000" smtClean="0"/>
+              <a:rPr lang="en-US" altLang="ko-KR" sz="2000"/>
               <a:t>write</a:t>
             </a:r>
           </a:p>
           <a:p>
             <a:pPr lvl="1"/>
             <a:r>
-              <a:rPr lang="ko-KR" altLang="en-US" sz="2000" smtClean="0"/>
+              <a:rPr lang="ko-KR" altLang="en-US" sz="2000"/>
               <a:t>다음 요청을 대기</a:t>
             </a:r>
-            <a:endParaRPr lang="en-US" altLang="ko-KR" sz="2000" smtClean="0"/>
+            <a:endParaRPr lang="en-US" altLang="ko-KR" sz="2000"/>
           </a:p>
           <a:p>
             <a:pPr lvl="1"/>
-            <a:endParaRPr lang="en-US" altLang="ko-KR" sz="2000" smtClean="0"/>
+            <a:endParaRPr lang="en-US" altLang="ko-KR" sz="2000"/>
           </a:p>
           <a:p>
             <a:pPr>
@@ -5097,7 +5070,7 @@
                 <a:spcPct val="150000"/>
               </a:lnSpc>
             </a:pPr>
-            <a:endParaRPr lang="en-US" altLang="ko-KR" sz="2400" smtClean="0"/>
+            <a:endParaRPr lang="en-US" altLang="ko-KR" sz="2400"/>
           </a:p>
         </p:txBody>
       </p:sp>
@@ -5111,13 +5084,6 @@
   <p:clrMapOvr>
     <a:masterClrMapping/>
   </p:clrMapOvr>
-  <p:timing>
-    <p:tnLst>
-      <p:par>
-        <p:cTn id="1" dur="indefinite" restart="never" nodeType="tmRoot"/>
-      </p:par>
-    </p:tnLst>
-  </p:timing>
 </p:sld>
 </file>
 
@@ -5164,7 +5130,7 @@
           <a:lstStyle/>
           <a:p>
             <a:r>
-              <a:rPr lang="en-US" altLang="ko-KR" b="1" smtClean="0">
+              <a:rPr lang="en-US" altLang="ko-KR" b="1">
                 <a:solidFill>
                   <a:schemeClr val="accent2"/>
                 </a:solidFill>
@@ -5317,13 +5283,6 @@
   <p:clrMapOvr>
     <a:masterClrMapping/>
   </p:clrMapOvr>
-  <p:timing>
-    <p:tnLst>
-      <p:par>
-        <p:cTn id="1" dur="indefinite" restart="never" nodeType="tmRoot"/>
-      </p:par>
-    </p:tnLst>
-  </p:timing>
 </p:sld>
 </file>
 
@@ -5360,20 +5319,20 @@
           <a:lstStyle/>
           <a:p>
             <a:r>
-              <a:rPr lang="en-US" altLang="ko-KR" smtClean="0"/>
+              <a:rPr lang="en-US" altLang="ko-KR" dirty="0"/>
               <a:t>Hello Word</a:t>
             </a:r>
             <a:r>
-              <a:rPr lang="ko-KR" altLang="en-US" smtClean="0"/>
+              <a:rPr lang="ko-KR" altLang="en-US" dirty="0"/>
               <a:t> </a:t>
             </a:r>
             <a:r>
-              <a:rPr lang="en-US" altLang="ko-KR" sz="2000" smtClean="0">
+              <a:rPr lang="en-US" altLang="ko-KR" sz="2000" dirty="0">
                 <a:solidFill>
                   <a:schemeClr val="accent4"/>
                 </a:solidFill>
               </a:rPr>
-              <a:t>web3.1</a:t>
+              <a:t>web3 3.1</a:t>
             </a:r>
             <a:endParaRPr lang="ko-KR" altLang="en-US" dirty="0"/>
           </a:p>
@@ -5489,20 +5448,20 @@
           <a:lstStyle/>
           <a:p>
             <a:r>
-              <a:rPr lang="en-US" altLang="ko-KR" smtClean="0"/>
+              <a:rPr lang="en-US" altLang="ko-KR" dirty="0"/>
               <a:t>Hello Word2</a:t>
             </a:r>
             <a:r>
-              <a:rPr lang="ko-KR" altLang="en-US" smtClean="0"/>
+              <a:rPr lang="ko-KR" altLang="en-US" dirty="0"/>
               <a:t> </a:t>
             </a:r>
             <a:r>
-              <a:rPr lang="en-US" altLang="ko-KR" sz="2000" smtClean="0">
+              <a:rPr lang="en-US" altLang="ko-KR" sz="2000" dirty="0">
                 <a:solidFill>
                   <a:schemeClr val="accent4"/>
                 </a:solidFill>
               </a:rPr>
-              <a:t>web3.1</a:t>
+              <a:t>web3 3.1</a:t>
             </a:r>
             <a:endParaRPr lang="ko-KR" altLang="en-US" dirty="0"/>
           </a:p>
@@ -6072,7 +6031,7 @@
           <a:lstStyle/>
           <a:p>
             <a:r>
-              <a:rPr lang="ko-KR" altLang="en-US" b="1" smtClean="0">
+              <a:rPr lang="ko-KR" altLang="en-US" b="1">
                 <a:solidFill>
                   <a:schemeClr val="accent2"/>
                 </a:solidFill>
@@ -6080,7 +6039,7 @@
               <a:t>미들웨어</a:t>
             </a:r>
             <a:r>
-              <a:rPr lang="en-US" altLang="ko-KR" b="1" smtClean="0">
+              <a:rPr lang="en-US" altLang="ko-KR" b="1">
                 <a:solidFill>
                   <a:schemeClr val="accent2"/>
                 </a:solidFill>
@@ -6138,7 +6097,7 @@
               </a:lnSpc>
             </a:pPr>
             <a:r>
-              <a:rPr lang="en-US" altLang="ko-KR" sz="2400" smtClean="0">
+              <a:rPr lang="en-US" altLang="ko-KR" sz="2400">
                 <a:solidFill>
                   <a:schemeClr val="accent1">
                     <a:lumMod val="60000"/>
@@ -6149,7 +6108,7 @@
               <a:t>OS</a:t>
             </a:r>
             <a:r>
-              <a:rPr lang="ko-KR" altLang="en-US" sz="2400" smtClean="0">
+              <a:rPr lang="ko-KR" altLang="en-US" sz="2400">
                 <a:solidFill>
                   <a:schemeClr val="accent1">
                     <a:lumMod val="60000"/>
@@ -6159,7 +6118,7 @@
               </a:rPr>
               <a:t>와 응용 프로그램 사이에 존재하는 소프트웨어</a:t>
             </a:r>
-            <a:endParaRPr lang="en-US" altLang="ko-KR" sz="2400" smtClean="0">
+            <a:endParaRPr lang="en-US" altLang="ko-KR" sz="2400">
               <a:solidFill>
                 <a:schemeClr val="accent1">
                   <a:lumMod val="60000"/>
@@ -6175,7 +6134,7 @@
               </a:lnSpc>
             </a:pPr>
             <a:r>
-              <a:rPr lang="ko-KR" altLang="en-US" sz="2400" smtClean="0"/>
+              <a:rPr lang="ko-KR" altLang="en-US" sz="2400"/>
               <a:t>요청에</a:t>
             </a:r>
             <a:r>
@@ -6224,22 +6183,18 @@
             </a:r>
             <a:r>
               <a:rPr lang="ko-KR" altLang="en-US" sz="2400"/>
-              <a:t> </a:t>
-            </a:r>
-            <a:r>
-              <a:rPr lang="ko-KR" altLang="en-US" sz="2400" smtClean="0"/>
-              <a:t>처리하는</a:t>
-            </a:r>
-            <a:r>
-              <a:rPr lang="en-US" altLang="ko-KR" sz="2400" smtClean="0"/>
+              <a:t> 처리하는</a:t>
+            </a:r>
+            <a:r>
+              <a:rPr lang="en-US" altLang="ko-KR" sz="2400"/>
               <a:t>(</a:t>
             </a:r>
             <a:r>
-              <a:rPr lang="ko-KR" altLang="en-US" sz="2400" smtClean="0"/>
+              <a:rPr lang="ko-KR" altLang="en-US" sz="2400"/>
               <a:t>거쳐가는</a:t>
             </a:r>
             <a:r>
-              <a:rPr lang="en-US" altLang="ko-KR" sz="2400" smtClean="0"/>
+              <a:rPr lang="en-US" altLang="ko-KR" sz="2400"/>
               <a:t>)</a:t>
             </a:r>
             <a:r>
@@ -6247,14 +6202,14 @@
               <a:t> </a:t>
             </a:r>
             <a:r>
-              <a:rPr lang="ko-KR" altLang="en-US" sz="2400" smtClean="0">
+              <a:rPr lang="ko-KR" altLang="en-US" sz="2400">
                 <a:solidFill>
                   <a:schemeClr val="accent6"/>
                 </a:solidFill>
               </a:rPr>
               <a:t>함수</a:t>
             </a:r>
-            <a:endParaRPr lang="en-US" altLang="ko-KR" sz="2400" smtClean="0">
+            <a:endParaRPr lang="en-US" altLang="ko-KR" sz="2400">
               <a:solidFill>
                 <a:schemeClr val="accent6"/>
               </a:solidFill>
@@ -6263,25 +6218,25 @@
           <a:p>
             <a:pPr lvl="1"/>
             <a:r>
-              <a:rPr lang="en-US" altLang="ko-KR" sz="2000" smtClean="0"/>
+              <a:rPr lang="en-US" altLang="ko-KR" sz="2000"/>
               <a:t>req</a:t>
             </a:r>
           </a:p>
           <a:p>
             <a:pPr lvl="1"/>
             <a:r>
-              <a:rPr lang="en-US" altLang="ko-KR" sz="2000" smtClean="0"/>
+              <a:rPr lang="en-US" altLang="ko-KR" sz="2000"/>
               <a:t>res</a:t>
             </a:r>
           </a:p>
           <a:p>
             <a:pPr lvl="1"/>
             <a:r>
-              <a:rPr lang="en-US" altLang="ko-KR" sz="2000" smtClean="0"/>
+              <a:rPr lang="en-US" altLang="ko-KR" sz="2000"/>
               <a:t>next	</a:t>
             </a:r>
             <a:r>
-              <a:rPr lang="en-US" altLang="ko-KR" sz="1400" smtClean="0">
+              <a:rPr lang="en-US" altLang="ko-KR" sz="1400">
                 <a:solidFill>
                   <a:schemeClr val="accent3"/>
                 </a:solidFill>
@@ -6289,7 +6244,7 @@
               <a:t>// </a:t>
             </a:r>
             <a:r>
-              <a:rPr lang="ko-KR" altLang="en-US" sz="1400" smtClean="0">
+              <a:rPr lang="ko-KR" altLang="en-US" sz="1400">
                 <a:solidFill>
                   <a:schemeClr val="accent3"/>
                 </a:solidFill>
@@ -6297,7 +6252,7 @@
               <a:t>다음 미들웨어로 요청을 넘김</a:t>
             </a:r>
             <a:r>
-              <a:rPr lang="en-US" altLang="ko-KR" sz="1400" smtClean="0">
+              <a:rPr lang="en-US" altLang="ko-KR" sz="1400">
                 <a:solidFill>
                   <a:schemeClr val="accent3"/>
                 </a:solidFill>
@@ -6305,7 +6260,7 @@
               <a:t>(</a:t>
             </a:r>
             <a:r>
-              <a:rPr lang="ko-KR" altLang="en-US" sz="1400" smtClean="0">
+              <a:rPr lang="ko-KR" altLang="en-US" sz="1400">
                 <a:solidFill>
                   <a:schemeClr val="accent3"/>
                 </a:solidFill>
@@ -6313,14 +6268,14 @@
               <a:t>순차적 처리</a:t>
             </a:r>
             <a:r>
-              <a:rPr lang="en-US" altLang="ko-KR" sz="1400" smtClean="0">
+              <a:rPr lang="en-US" altLang="ko-KR" sz="1400">
                 <a:solidFill>
                   <a:schemeClr val="accent3"/>
                 </a:solidFill>
               </a:rPr>
               <a:t>)</a:t>
             </a:r>
-            <a:endParaRPr lang="en-US" altLang="ko-KR" sz="1800" smtClean="0">
+            <a:endParaRPr lang="en-US" altLang="ko-KR" sz="1800">
               <a:solidFill>
                 <a:schemeClr val="accent3"/>
               </a:solidFill>
@@ -6332,7 +6287,7 @@
                 <a:spcPct val="150000"/>
               </a:lnSpc>
             </a:pPr>
-            <a:endParaRPr lang="en-US" altLang="ko-KR" sz="2400" smtClean="0"/>
+            <a:endParaRPr lang="en-US" altLang="ko-KR" sz="2400"/>
           </a:p>
         </p:txBody>
       </p:sp>
@@ -6346,13 +6301,6 @@
   <p:clrMapOvr>
     <a:masterClrMapping/>
   </p:clrMapOvr>
-  <p:timing>
-    <p:tnLst>
-      <p:par>
-        <p:cTn id="1" dur="indefinite" restart="never" nodeType="tmRoot"/>
-      </p:par>
-    </p:tnLst>
-  </p:timing>
 </p:sld>
 </file>
 
@@ -6465,10 +6413,10 @@
               </a:lnSpc>
             </a:pPr>
             <a:r>
-              <a:rPr lang="ko-KR" altLang="en-US" sz="2400" smtClean="0"/>
+              <a:rPr lang="ko-KR" altLang="en-US" sz="2400"/>
               <a:t>개발자와 기반시스템 간에 존재하는 소프트웨어</a:t>
             </a:r>
-            <a:endParaRPr lang="en-US" altLang="ko-KR" sz="2400" smtClean="0"/>
+            <a:endParaRPr lang="en-US" altLang="ko-KR" sz="2400"/>
           </a:p>
           <a:p>
             <a:pPr>
@@ -6476,7 +6424,7 @@
                 <a:spcPct val="150000"/>
               </a:lnSpc>
             </a:pPr>
-            <a:endParaRPr lang="en-US" altLang="ko-KR" sz="2400" smtClean="0"/>
+            <a:endParaRPr lang="en-US" altLang="ko-KR" sz="2400"/>
           </a:p>
         </p:txBody>
       </p:sp>
@@ -6554,13 +6502,6 @@
   <p:clrMapOvr>
     <a:masterClrMapping/>
   </p:clrMapOvr>
-  <p:timing>
-    <p:tnLst>
-      <p:par>
-        <p:cTn id="1" dur="indefinite" restart="never" nodeType="tmRoot"/>
-      </p:par>
-    </p:tnLst>
-  </p:timing>
 </p:sld>
 </file>
 
@@ -6668,7 +6609,7 @@
           <a:lstStyle/>
           <a:p>
             <a:r>
-              <a:rPr lang="ko-KR" altLang="en-US" sz="2400" smtClean="0"/>
+              <a:rPr lang="ko-KR" altLang="en-US" sz="2400"/>
               <a:t>미들웨어 </a:t>
             </a:r>
             <a:r>
@@ -6689,34 +6630,26 @@
             </a:r>
             <a:r>
               <a:rPr lang="ko-KR" altLang="en-US" sz="2000"/>
-              <a:t>코드를 </a:t>
-            </a:r>
-            <a:r>
-              <a:rPr lang="ko-KR" altLang="en-US" sz="2000" smtClean="0"/>
-              <a:t>실행</a:t>
+              <a:t>코드를 실행</a:t>
             </a:r>
             <a:endParaRPr lang="en-US" altLang="ko-KR" sz="2000" dirty="0"/>
           </a:p>
           <a:p>
             <a:pPr lvl="1"/>
             <a:r>
-              <a:rPr lang="en-US" altLang="ko-KR" sz="2000" smtClean="0"/>
+              <a:rPr lang="en-US" altLang="ko-KR" sz="2000"/>
               <a:t>req</a:t>
             </a:r>
             <a:r>
-              <a:rPr lang="ko-KR" altLang="en-US" sz="2000" smtClean="0"/>
-              <a:t> </a:t>
-            </a:r>
-            <a:r>
               <a:rPr lang="ko-KR" altLang="en-US" sz="2000"/>
-              <a:t>및 </a:t>
-            </a:r>
-            <a:r>
-              <a:rPr lang="en-US" altLang="ko-KR" sz="2000" smtClean="0"/>
+              <a:t> 및 </a:t>
+            </a:r>
+            <a:r>
+              <a:rPr lang="en-US" altLang="ko-KR" sz="2000"/>
               <a:t>res</a:t>
             </a:r>
             <a:r>
-              <a:rPr lang="ko-KR" altLang="en-US" sz="2000" smtClean="0"/>
+              <a:rPr lang="ko-KR" altLang="en-US" sz="2000"/>
               <a:t> </a:t>
             </a:r>
             <a:r>
@@ -6725,31 +6658,19 @@
             </a:r>
             <a:r>
               <a:rPr lang="ko-KR" altLang="en-US" sz="2000"/>
-              <a:t>변경을 </a:t>
-            </a:r>
-            <a:r>
-              <a:rPr lang="ko-KR" altLang="en-US" sz="2000" smtClean="0"/>
-              <a:t>실행</a:t>
+              <a:t>변경을 실행</a:t>
             </a:r>
             <a:endParaRPr lang="en-US" altLang="ko-KR" sz="2000" dirty="0"/>
           </a:p>
           <a:p>
             <a:pPr lvl="1"/>
             <a:r>
-              <a:rPr lang="en-US" altLang="ko-KR" sz="2000" smtClean="0"/>
+              <a:rPr lang="en-US" altLang="ko-KR" sz="2000"/>
               <a:t>req-res</a:t>
             </a:r>
             <a:r>
-              <a:rPr lang="ko-KR" altLang="en-US" sz="2000" smtClean="0"/>
-              <a:t> </a:t>
-            </a:r>
-            <a:r>
               <a:rPr lang="ko-KR" altLang="en-US" sz="2000"/>
-              <a:t>주기를 </a:t>
-            </a:r>
-            <a:r>
-              <a:rPr lang="ko-KR" altLang="en-US" sz="2000" smtClean="0"/>
-              <a:t>종료</a:t>
+              <a:t> 주기를 종료</a:t>
             </a:r>
             <a:endParaRPr lang="en-US" altLang="ko-KR" sz="2000" dirty="0"/>
           </a:p>
@@ -6761,11 +6682,7 @@
             </a:r>
             <a:r>
               <a:rPr lang="ko-KR" altLang="en-US" sz="2000"/>
-              <a:t>함수를 </a:t>
-            </a:r>
-            <a:r>
-              <a:rPr lang="ko-KR" altLang="en-US" sz="2000" smtClean="0"/>
-              <a:t>호출</a:t>
+              <a:t>함수를 호출</a:t>
             </a:r>
             <a:endParaRPr lang="en-US" altLang="ko-KR" sz="2000" dirty="0"/>
           </a:p>
@@ -6775,7 +6692,7 @@
                 <a:spcPct val="150000"/>
               </a:lnSpc>
             </a:pPr>
-            <a:endParaRPr lang="en-US" altLang="ko-KR" sz="2400" smtClean="0"/>
+            <a:endParaRPr lang="en-US" altLang="ko-KR" sz="2400"/>
           </a:p>
         </p:txBody>
       </p:sp>
@@ -6789,13 +6706,6 @@
   <p:clrMapOvr>
     <a:masterClrMapping/>
   </p:clrMapOvr>
-  <p:timing>
-    <p:tnLst>
-      <p:par>
-        <p:cTn id="1" dur="indefinite" restart="never" nodeType="tmRoot"/>
-      </p:par>
-    </p:tnLst>
-  </p:timing>
 </p:sld>
 </file>
 
@@ -6842,7 +6752,7 @@
           <a:lstStyle/>
           <a:p>
             <a:r>
-              <a:rPr lang="en-US" altLang="ko-KR" b="1" smtClean="0">
+              <a:rPr lang="en-US" altLang="ko-KR" b="1">
                 <a:solidFill>
                   <a:schemeClr val="accent2"/>
                 </a:solidFill>
@@ -6895,35 +6805,27 @@
           <a:lstStyle/>
           <a:p>
             <a:r>
-              <a:rPr lang="en-US" altLang="ko-KR" sz="2400" smtClean="0"/>
+              <a:rPr lang="en-US" altLang="ko-KR" sz="2400"/>
               <a:t>client</a:t>
             </a:r>
             <a:r>
-              <a:rPr lang="ko-KR" altLang="en-US" sz="2400" smtClean="0"/>
-              <a:t> </a:t>
-            </a:r>
-            <a:r>
               <a:rPr lang="ko-KR" altLang="en-US" sz="2400"/>
-              <a:t>요청에 </a:t>
-            </a:r>
-            <a:r>
-              <a:rPr lang="en-US" altLang="ko-KR" sz="2400" smtClean="0"/>
+              <a:t> 요청에 </a:t>
+            </a:r>
+            <a:r>
+              <a:rPr lang="en-US" altLang="ko-KR" sz="2400"/>
               <a:t>application</a:t>
             </a:r>
             <a:r>
-              <a:rPr lang="ko-KR" altLang="en-US" sz="2400" smtClean="0"/>
-              <a:t>이 응답 방법을 결정하는</a:t>
-            </a:r>
-            <a:r>
               <a:rPr lang="ko-KR" altLang="en-US" sz="2400"/>
-              <a:t>것</a:t>
-            </a:r>
-            <a:endParaRPr lang="en-US" altLang="ko-KR" sz="2400" smtClean="0"/>
+              <a:t>이 응답 방법을 결정하는것</a:t>
+            </a:r>
+            <a:endParaRPr lang="en-US" altLang="ko-KR" sz="2400"/>
           </a:p>
           <a:p>
             <a:pPr lvl="1"/>
             <a:r>
-              <a:rPr lang="ko-KR" altLang="en-US" sz="2000" smtClean="0"/>
+              <a:rPr lang="ko-KR" altLang="en-US" sz="2000"/>
               <a:t>메소드</a:t>
             </a:r>
             <a:r>
@@ -6935,14 +6837,14 @@
               <a:t>등</a:t>
             </a:r>
             <a:r>
-              <a:rPr lang="en-US" altLang="ko-KR" sz="2000" smtClean="0"/>
+              <a:rPr lang="en-US" altLang="ko-KR" sz="2000"/>
               <a:t>)</a:t>
             </a:r>
           </a:p>
           <a:p>
             <a:pPr lvl="1"/>
             <a:r>
-              <a:rPr lang="ko-KR" altLang="en-US" sz="2000" smtClean="0"/>
+              <a:rPr lang="ko-KR" altLang="en-US" sz="2000"/>
               <a:t>엔드포인트</a:t>
             </a:r>
             <a:endParaRPr lang="en-US" altLang="ko-KR" sz="2000"/>
@@ -6953,7 +6855,7 @@
                 <a:spcPct val="150000"/>
               </a:lnSpc>
             </a:pPr>
-            <a:endParaRPr lang="en-US" altLang="ko-KR" sz="2400" smtClean="0"/>
+            <a:endParaRPr lang="en-US" altLang="ko-KR" sz="2400"/>
           </a:p>
           <a:p>
             <a:pPr>
@@ -6961,7 +6863,7 @@
                 <a:spcPct val="150000"/>
               </a:lnSpc>
             </a:pPr>
-            <a:endParaRPr lang="en-US" altLang="ko-KR" sz="2400" smtClean="0"/>
+            <a:endParaRPr lang="en-US" altLang="ko-KR" sz="2400"/>
           </a:p>
         </p:txBody>
       </p:sp>
@@ -6975,13 +6877,6 @@
   <p:clrMapOvr>
     <a:masterClrMapping/>
   </p:clrMapOvr>
-  <p:timing>
-    <p:tnLst>
-      <p:par>
-        <p:cTn id="1" dur="indefinite" restart="never" nodeType="tmRoot"/>
-      </p:par>
-    </p:tnLst>
-  </p:timing>
 </p:sld>
 </file>
 
@@ -7028,7 +6923,7 @@
           <a:lstStyle/>
           <a:p>
             <a:r>
-              <a:rPr lang="en-US" altLang="ko-KR" b="1" smtClean="0">
+              <a:rPr lang="en-US" altLang="ko-KR" b="1">
                 <a:solidFill>
                   <a:schemeClr val="accent2"/>
                 </a:solidFill>
@@ -7081,35 +6976,27 @@
           <a:lstStyle/>
           <a:p>
             <a:r>
-              <a:rPr lang="en-US" altLang="ko-KR" sz="2400" smtClean="0"/>
+              <a:rPr lang="en-US" altLang="ko-KR" sz="2400"/>
               <a:t>client</a:t>
             </a:r>
             <a:r>
-              <a:rPr lang="ko-KR" altLang="en-US" sz="2400" smtClean="0"/>
-              <a:t> </a:t>
-            </a:r>
-            <a:r>
               <a:rPr lang="ko-KR" altLang="en-US" sz="2400"/>
-              <a:t>요청에 </a:t>
-            </a:r>
-            <a:r>
-              <a:rPr lang="en-US" altLang="ko-KR" sz="2400" smtClean="0"/>
+              <a:t> 요청에 </a:t>
+            </a:r>
+            <a:r>
+              <a:rPr lang="en-US" altLang="ko-KR" sz="2400"/>
               <a:t>application</a:t>
             </a:r>
             <a:r>
-              <a:rPr lang="ko-KR" altLang="en-US" sz="2400" smtClean="0"/>
-              <a:t>이 응답 방법을 결정하는</a:t>
-            </a:r>
-            <a:r>
               <a:rPr lang="ko-KR" altLang="en-US" sz="2400"/>
-              <a:t>것</a:t>
-            </a:r>
-            <a:endParaRPr lang="en-US" altLang="ko-KR" sz="2400" smtClean="0"/>
+              <a:t>이 응답 방법을 결정하는것</a:t>
+            </a:r>
+            <a:endParaRPr lang="en-US" altLang="ko-KR" sz="2400"/>
           </a:p>
           <a:p>
             <a:pPr lvl="1"/>
             <a:r>
-              <a:rPr lang="ko-KR" altLang="en-US" sz="2000" smtClean="0"/>
+              <a:rPr lang="ko-KR" altLang="en-US" sz="2000"/>
               <a:t>메소드</a:t>
             </a:r>
             <a:r>
@@ -7121,14 +7008,14 @@
               <a:t>등</a:t>
             </a:r>
             <a:r>
-              <a:rPr lang="en-US" altLang="ko-KR" sz="2000" smtClean="0"/>
+              <a:rPr lang="en-US" altLang="ko-KR" sz="2000"/>
               <a:t>)</a:t>
             </a:r>
           </a:p>
           <a:p>
             <a:pPr lvl="1"/>
             <a:r>
-              <a:rPr lang="ko-KR" altLang="en-US" sz="2000" smtClean="0"/>
+              <a:rPr lang="ko-KR" altLang="en-US" sz="2000"/>
               <a:t>엔드포인트</a:t>
             </a:r>
             <a:endParaRPr lang="en-US" altLang="ko-KR" sz="2000"/>
@@ -7139,7 +7026,7 @@
                 <a:spcPct val="150000"/>
               </a:lnSpc>
             </a:pPr>
-            <a:endParaRPr lang="en-US" altLang="ko-KR" sz="2400" smtClean="0"/>
+            <a:endParaRPr lang="en-US" altLang="ko-KR" sz="2400"/>
           </a:p>
           <a:p>
             <a:pPr>
@@ -7147,7 +7034,7 @@
                 <a:spcPct val="150000"/>
               </a:lnSpc>
             </a:pPr>
-            <a:endParaRPr lang="en-US" altLang="ko-KR" sz="2400" smtClean="0"/>
+            <a:endParaRPr lang="en-US" altLang="ko-KR" sz="2400"/>
           </a:p>
         </p:txBody>
       </p:sp>
@@ -7220,13 +7107,6 @@
   <p:clrMapOvr>
     <a:masterClrMapping/>
   </p:clrMapOvr>
-  <p:timing>
-    <p:tnLst>
-      <p:par>
-        <p:cTn id="1" dur="indefinite" restart="never" nodeType="tmRoot"/>
-      </p:par>
-    </p:tnLst>
-  </p:timing>
 </p:sld>
 </file>
 
@@ -7273,7 +7153,7 @@
           <a:lstStyle/>
           <a:p>
             <a:r>
-              <a:rPr lang="en-US" altLang="ko-KR" b="1" smtClean="0">
+              <a:rPr lang="en-US" altLang="ko-KR" b="1">
                 <a:solidFill>
                   <a:schemeClr val="accent2"/>
                 </a:solidFill>
@@ -7326,35 +7206,27 @@
           <a:lstStyle/>
           <a:p>
             <a:r>
-              <a:rPr lang="en-US" altLang="ko-KR" sz="2400" smtClean="0"/>
+              <a:rPr lang="en-US" altLang="ko-KR" sz="2400"/>
               <a:t>client</a:t>
             </a:r>
             <a:r>
-              <a:rPr lang="ko-KR" altLang="en-US" sz="2400" smtClean="0"/>
-              <a:t> </a:t>
-            </a:r>
-            <a:r>
               <a:rPr lang="ko-KR" altLang="en-US" sz="2400"/>
-              <a:t>요청에 </a:t>
-            </a:r>
-            <a:r>
-              <a:rPr lang="en-US" altLang="ko-KR" sz="2400" smtClean="0"/>
+              <a:t> 요청에 </a:t>
+            </a:r>
+            <a:r>
+              <a:rPr lang="en-US" altLang="ko-KR" sz="2400"/>
               <a:t>application</a:t>
             </a:r>
             <a:r>
-              <a:rPr lang="ko-KR" altLang="en-US" sz="2400" smtClean="0"/>
-              <a:t>이 응답 방법을 결정하는</a:t>
-            </a:r>
-            <a:r>
               <a:rPr lang="ko-KR" altLang="en-US" sz="2400"/>
-              <a:t>것</a:t>
-            </a:r>
-            <a:endParaRPr lang="en-US" altLang="ko-KR" sz="2400" smtClean="0"/>
+              <a:t>이 응답 방법을 결정하는것</a:t>
+            </a:r>
+            <a:endParaRPr lang="en-US" altLang="ko-KR" sz="2400"/>
           </a:p>
           <a:p>
             <a:pPr lvl="1"/>
             <a:r>
-              <a:rPr lang="ko-KR" altLang="en-US" sz="2000" smtClean="0"/>
+              <a:rPr lang="ko-KR" altLang="en-US" sz="2000"/>
               <a:t>메소드</a:t>
             </a:r>
             <a:r>
@@ -7366,14 +7238,14 @@
               <a:t>등</a:t>
             </a:r>
             <a:r>
-              <a:rPr lang="en-US" altLang="ko-KR" sz="2000" smtClean="0"/>
+              <a:rPr lang="en-US" altLang="ko-KR" sz="2000"/>
               <a:t>)</a:t>
             </a:r>
           </a:p>
           <a:p>
             <a:pPr lvl="1"/>
             <a:r>
-              <a:rPr lang="ko-KR" altLang="en-US" sz="2000" smtClean="0"/>
+              <a:rPr lang="ko-KR" altLang="en-US" sz="2000"/>
               <a:t>엔드포인트</a:t>
             </a:r>
             <a:endParaRPr lang="en-US" altLang="ko-KR" sz="2000"/>
@@ -7384,7 +7256,7 @@
                 <a:spcPct val="150000"/>
               </a:lnSpc>
             </a:pPr>
-            <a:endParaRPr lang="en-US" altLang="ko-KR" sz="2400" smtClean="0"/>
+            <a:endParaRPr lang="en-US" altLang="ko-KR" sz="2400"/>
           </a:p>
           <a:p>
             <a:pPr>
@@ -7392,7 +7264,7 @@
                 <a:spcPct val="150000"/>
               </a:lnSpc>
             </a:pPr>
-            <a:endParaRPr lang="en-US" altLang="ko-KR" sz="2400" smtClean="0"/>
+            <a:endParaRPr lang="en-US" altLang="ko-KR" sz="2400"/>
           </a:p>
         </p:txBody>
       </p:sp>
@@ -7529,13 +7401,6 @@
   <p:clrMapOvr>
     <a:masterClrMapping/>
   </p:clrMapOvr>
-  <p:timing>
-    <p:tnLst>
-      <p:par>
-        <p:cTn id="1" dur="indefinite" restart="never" nodeType="tmRoot"/>
-      </p:par>
-    </p:tnLst>
-  </p:timing>
 </p:sld>
 </file>
 
